--- a/Few_Shot_Classification_Presentation_final.pptx
+++ b/Few_Shot_Classification_Presentation_final.pptx
@@ -983,7 +983,7 @@
                   <c:v>0.36499999999999999</c:v>
                 </c:pt>
                 <c:pt idx="4">
-                  <c:v>0.94</c:v>
+                  <c:v>0.95099999999999996</c:v>
                 </c:pt>
                 <c:pt idx="5">
                   <c:v>0.57499999999999996</c:v>
@@ -996,7 +996,7 @@
           </c:val>
           <c:extLst>
             <c:ext xmlns:c16="http://schemas.microsoft.com/office/drawing/2014/chart" uri="{C3380CC4-5D6E-409C-BE32-E72D297353CC}">
-              <c16:uniqueId val="{00000000-8424-4E8D-AD37-123928E3AEEC}"/>
+              <c16:uniqueId val="{00000000-95F9-43BF-B938-CAE084A6BA23}"/>
             </c:ext>
           </c:extLst>
         </c:ser>
@@ -1528,7 +1528,7 @@
                   <c:v>0.35199999999999998</c:v>
                 </c:pt>
                 <c:pt idx="4">
-                  <c:v>0.50700000000000001</c:v>
+                  <c:v>0.57099999999999995</c:v>
                 </c:pt>
                 <c:pt idx="5">
                   <c:v>0.183</c:v>
@@ -1541,7 +1541,7 @@
           </c:val>
           <c:extLst>
             <c:ext xmlns:c16="http://schemas.microsoft.com/office/drawing/2014/chart" uri="{C3380CC4-5D6E-409C-BE32-E72D297353CC}">
-              <c16:uniqueId val="{00000000-B2F3-4FCA-A00E-C173CE5AD218}"/>
+              <c16:uniqueId val="{00000000-BDDD-414B-9DD4-451DE05C73F4}"/>
             </c:ext>
           </c:extLst>
         </c:ser>
@@ -6536,7 +6536,7 @@
           <a:p>
             <a:fld id="{7A9D5CC9-0CE3-4CD2-9124-DE35D833B2D7}" type="datetimeFigureOut">
               <a:rPr lang="he-IL" smtClean="0"/>
-              <a:t>ט"ז/טבת/תשפ"ה</a:t>
+              <a:t>י"ז/טבת/תשפ"ה</a:t>
             </a:fld>
             <a:endParaRPr lang="he-IL"/>
           </a:p>
@@ -7765,7 +7765,7 @@
           <a:p>
             <a:fld id="{5BCAD085-E8A6-8845-BD4E-CB4CCA059FC4}" type="datetimeFigureOut">
               <a:rPr lang="en-US" smtClean="0"/>
-              <a:t>1/16/2025</a:t>
+              <a:t>1/17/2025</a:t>
             </a:fld>
             <a:endParaRPr lang="en-US"/>
           </a:p>
@@ -8016,7 +8016,7 @@
           <a:p>
             <a:fld id="{5BCAD085-E8A6-8845-BD4E-CB4CCA059FC4}" type="datetimeFigureOut">
               <a:rPr lang="en-US" smtClean="0"/>
-              <a:t>1/16/2025</a:t>
+              <a:t>1/17/2025</a:t>
             </a:fld>
             <a:endParaRPr lang="en-US"/>
           </a:p>
@@ -8330,7 +8330,7 @@
           <a:p>
             <a:fld id="{5BCAD085-E8A6-8845-BD4E-CB4CCA059FC4}" type="datetimeFigureOut">
               <a:rPr lang="en-US" smtClean="0"/>
-              <a:t>1/16/2025</a:t>
+              <a:t>1/17/2025</a:t>
             </a:fld>
             <a:endParaRPr lang="en-US"/>
           </a:p>
@@ -8663,7 +8663,7 @@
           <a:p>
             <a:fld id="{5BCAD085-E8A6-8845-BD4E-CB4CCA059FC4}" type="datetimeFigureOut">
               <a:rPr lang="en-US" smtClean="0"/>
-              <a:t>1/16/2025</a:t>
+              <a:t>1/17/2025</a:t>
             </a:fld>
             <a:endParaRPr lang="en-US"/>
           </a:p>
@@ -8977,7 +8977,7 @@
           <a:p>
             <a:fld id="{5BCAD085-E8A6-8845-BD4E-CB4CCA059FC4}" type="datetimeFigureOut">
               <a:rPr lang="en-US" smtClean="0"/>
-              <a:t>1/16/2025</a:t>
+              <a:t>1/17/2025</a:t>
             </a:fld>
             <a:endParaRPr lang="en-US"/>
           </a:p>
@@ -9370,7 +9370,7 @@
           <a:p>
             <a:fld id="{5BCAD085-E8A6-8845-BD4E-CB4CCA059FC4}" type="datetimeFigureOut">
               <a:rPr lang="en-US" smtClean="0"/>
-              <a:t>1/16/2025</a:t>
+              <a:t>1/17/2025</a:t>
             </a:fld>
             <a:endParaRPr lang="en-US"/>
           </a:p>
@@ -9540,7 +9540,7 @@
           <a:p>
             <a:fld id="{5BCAD085-E8A6-8845-BD4E-CB4CCA059FC4}" type="datetimeFigureOut">
               <a:rPr lang="en-US" smtClean="0"/>
-              <a:t>1/16/2025</a:t>
+              <a:t>1/17/2025</a:t>
             </a:fld>
             <a:endParaRPr lang="en-US"/>
           </a:p>
@@ -9720,7 +9720,7 @@
           <a:p>
             <a:fld id="{5BCAD085-E8A6-8845-BD4E-CB4CCA059FC4}" type="datetimeFigureOut">
               <a:rPr lang="en-US" smtClean="0"/>
-              <a:t>1/16/2025</a:t>
+              <a:t>1/17/2025</a:t>
             </a:fld>
             <a:endParaRPr lang="en-US"/>
           </a:p>
@@ -9890,7 +9890,7 @@
           <a:p>
             <a:fld id="{5BCAD085-E8A6-8845-BD4E-CB4CCA059FC4}" type="datetimeFigureOut">
               <a:rPr lang="en-US" smtClean="0"/>
-              <a:t>1/16/2025</a:t>
+              <a:t>1/17/2025</a:t>
             </a:fld>
             <a:endParaRPr lang="en-US"/>
           </a:p>
@@ -10137,7 +10137,7 @@
           <a:p>
             <a:fld id="{5BCAD085-E8A6-8845-BD4E-CB4CCA059FC4}" type="datetimeFigureOut">
               <a:rPr lang="en-US" smtClean="0"/>
-              <a:t>1/16/2025</a:t>
+              <a:t>1/17/2025</a:t>
             </a:fld>
             <a:endParaRPr lang="en-US"/>
           </a:p>
@@ -10434,7 +10434,7 @@
           <a:p>
             <a:fld id="{5BCAD085-E8A6-8845-BD4E-CB4CCA059FC4}" type="datetimeFigureOut">
               <a:rPr lang="en-US" smtClean="0"/>
-              <a:t>1/16/2025</a:t>
+              <a:t>1/17/2025</a:t>
             </a:fld>
             <a:endParaRPr lang="en-US"/>
           </a:p>
@@ -10813,7 +10813,7 @@
           <a:p>
             <a:fld id="{5BCAD085-E8A6-8845-BD4E-CB4CCA059FC4}" type="datetimeFigureOut">
               <a:rPr lang="en-US" smtClean="0"/>
-              <a:t>1/16/2025</a:t>
+              <a:t>1/17/2025</a:t>
             </a:fld>
             <a:endParaRPr lang="en-US"/>
           </a:p>
@@ -10936,7 +10936,7 @@
           <a:p>
             <a:fld id="{5BCAD085-E8A6-8845-BD4E-CB4CCA059FC4}" type="datetimeFigureOut">
               <a:rPr lang="en-US" smtClean="0"/>
-              <a:t>1/16/2025</a:t>
+              <a:t>1/17/2025</a:t>
             </a:fld>
             <a:endParaRPr lang="en-US"/>
           </a:p>
@@ -11031,7 +11031,7 @@
           <a:p>
             <a:fld id="{5BCAD085-E8A6-8845-BD4E-CB4CCA059FC4}" type="datetimeFigureOut">
               <a:rPr lang="en-US" smtClean="0"/>
-              <a:t>1/16/2025</a:t>
+              <a:t>1/17/2025</a:t>
             </a:fld>
             <a:endParaRPr lang="en-US"/>
           </a:p>
@@ -11286,7 +11286,7 @@
           <a:p>
             <a:fld id="{5BCAD085-E8A6-8845-BD4E-CB4CCA059FC4}" type="datetimeFigureOut">
               <a:rPr lang="en-US" smtClean="0"/>
-              <a:t>1/16/2025</a:t>
+              <a:t>1/17/2025</a:t>
             </a:fld>
             <a:endParaRPr lang="en-US"/>
           </a:p>
@@ -11549,7 +11549,7 @@
           <a:p>
             <a:fld id="{5BCAD085-E8A6-8845-BD4E-CB4CCA059FC4}" type="datetimeFigureOut">
               <a:rPr lang="en-US" smtClean="0"/>
-              <a:t>1/16/2025</a:t>
+              <a:t>1/17/2025</a:t>
             </a:fld>
             <a:endParaRPr lang="en-US"/>
           </a:p>
@@ -12363,7 +12363,7 @@
           <a:p>
             <a:fld id="{5BCAD085-E8A6-8845-BD4E-CB4CCA059FC4}" type="datetimeFigureOut">
               <a:rPr lang="en-US" smtClean="0"/>
-              <a:t>1/16/2025</a:t>
+              <a:t>1/17/2025</a:t>
             </a:fld>
             <a:endParaRPr lang="en-US"/>
           </a:p>
@@ -14307,7 +14307,7 @@
           <p:nvPr>
             <p:extLst>
               <p:ext uri="{D42A27DB-BD31-4B8C-83A1-F6EECF244321}">
-                <p14:modId xmlns:p14="http://schemas.microsoft.com/office/powerpoint/2010/main" val="4193393982"/>
+                <p14:modId xmlns:p14="http://schemas.microsoft.com/office/powerpoint/2010/main" val="4108911454"/>
               </p:ext>
             </p:extLst>
           </p:nvPr>
@@ -16263,7 +16263,7 @@
                     <a:p>
                       <a:pPr rtl="1"/>
                       <a:r>
-                        <a:rPr lang="en-US" sz="1000">
+                        <a:rPr lang="en-US" sz="1000" dirty="0">
                           <a:solidFill>
                             <a:schemeClr val="tx1">
                               <a:lumMod val="75000"/>
@@ -16271,9 +16271,9 @@
                             </a:schemeClr>
                           </a:solidFill>
                         </a:rPr>
-                        <a:t>0.94</a:t>
+                        <a:t>0.951</a:t>
                       </a:r>
-                      <a:endParaRPr lang="he-IL" sz="1000">
+                      <a:endParaRPr lang="he-IL" sz="1000" dirty="0">
                         <a:solidFill>
                           <a:schemeClr val="tx1">
                             <a:lumMod val="75000"/>
@@ -16322,7 +16322,7 @@
                     <a:p>
                       <a:pPr rtl="1"/>
                       <a:r>
-                        <a:rPr lang="en-US" sz="1000">
+                        <a:rPr lang="en-US" sz="1000" dirty="0">
                           <a:solidFill>
                             <a:schemeClr val="tx1">
                               <a:lumMod val="75000"/>
@@ -16330,13 +16330,13 @@
                             </a:schemeClr>
                           </a:solidFill>
                         </a:rPr>
-                        <a:t>0.91/</a:t>
+                        <a:t>0.94/</a:t>
                       </a:r>
                     </a:p>
                     <a:p>
                       <a:pPr rtl="1"/>
                       <a:r>
-                        <a:rPr lang="en-US" sz="1000">
+                        <a:rPr lang="en-US" sz="1000" dirty="0">
                           <a:solidFill>
                             <a:schemeClr val="tx1">
                               <a:lumMod val="75000"/>
@@ -16344,9 +16344,9 @@
                             </a:schemeClr>
                           </a:solidFill>
                         </a:rPr>
-                        <a:t>0.97</a:t>
+                        <a:t>0.96</a:t>
                       </a:r>
-                      <a:endParaRPr lang="he-IL" sz="1000">
+                      <a:endParaRPr lang="he-IL" sz="1000" dirty="0">
                         <a:solidFill>
                           <a:schemeClr val="tx1">
                             <a:lumMod val="75000"/>
@@ -16395,7 +16395,7 @@
                     <a:p>
                       <a:pPr rtl="1"/>
                       <a:r>
-                        <a:rPr lang="en-US" sz="1000">
+                        <a:rPr lang="en-US" sz="1000" dirty="0">
                           <a:solidFill>
                             <a:schemeClr val="tx1">
                               <a:lumMod val="75000"/>
@@ -16403,13 +16403,13 @@
                             </a:schemeClr>
                           </a:solidFill>
                         </a:rPr>
-                        <a:t>0.91/</a:t>
+                        <a:t>0.94/</a:t>
                       </a:r>
                     </a:p>
                     <a:p>
                       <a:pPr rtl="1"/>
                       <a:r>
-                        <a:rPr lang="en-US" sz="1000">
+                        <a:rPr lang="en-US" sz="1000" dirty="0">
                           <a:solidFill>
                             <a:schemeClr val="tx1">
                               <a:lumMod val="75000"/>
@@ -16417,9 +16417,9 @@
                             </a:schemeClr>
                           </a:solidFill>
                         </a:rPr>
-                        <a:t>0.97</a:t>
+                        <a:t>0.96</a:t>
                       </a:r>
-                      <a:endParaRPr lang="he-IL" sz="1000">
+                      <a:endParaRPr lang="he-IL" sz="1000" dirty="0">
                         <a:solidFill>
                           <a:schemeClr val="tx1">
                             <a:lumMod val="75000"/>
@@ -16468,7 +16468,7 @@
                     <a:p>
                       <a:pPr rtl="1"/>
                       <a:r>
-                        <a:rPr lang="en-US" sz="1000">
+                        <a:rPr lang="en-US" sz="1000" dirty="0">
                           <a:solidFill>
                             <a:schemeClr val="tx1">
                               <a:lumMod val="75000"/>
@@ -16476,13 +16476,13 @@
                             </a:schemeClr>
                           </a:solidFill>
                         </a:rPr>
-                        <a:t>0.92/</a:t>
+                        <a:t>0.94/</a:t>
                       </a:r>
                     </a:p>
                     <a:p>
                       <a:pPr rtl="1"/>
                       <a:r>
-                        <a:rPr lang="en-US" sz="1000">
+                        <a:rPr lang="en-US" sz="1000" dirty="0">
                           <a:solidFill>
                             <a:schemeClr val="tx1">
                               <a:lumMod val="75000"/>
@@ -16490,9 +16490,9 @@
                             </a:schemeClr>
                           </a:solidFill>
                         </a:rPr>
-                        <a:t>0.97</a:t>
+                        <a:t>0.96</a:t>
                       </a:r>
-                      <a:endParaRPr lang="he-IL" sz="1000">
+                      <a:endParaRPr lang="he-IL" sz="1000" dirty="0">
                         <a:solidFill>
                           <a:schemeClr val="tx1">
                             <a:lumMod val="75000"/>
@@ -16541,7 +16541,7 @@
                     <a:p>
                       <a:pPr rtl="1"/>
                       <a:r>
-                        <a:rPr lang="en-US" sz="1000">
+                        <a:rPr lang="en-US" sz="1000" dirty="0">
                           <a:solidFill>
                             <a:schemeClr val="tx1">
                               <a:lumMod val="75000"/>
@@ -16549,13 +16549,13 @@
                             </a:schemeClr>
                           </a:solidFill>
                         </a:rPr>
-                        <a:t>0.911/</a:t>
+                        <a:t>0.94/</a:t>
                       </a:r>
                     </a:p>
                     <a:p>
                       <a:pPr rtl="1"/>
                       <a:r>
-                        <a:rPr lang="en-US" sz="1000">
+                        <a:rPr lang="en-US" sz="1000" dirty="0">
                           <a:solidFill>
                             <a:schemeClr val="tx1">
                               <a:lumMod val="75000"/>
@@ -16563,9 +16563,9 @@
                             </a:schemeClr>
                           </a:solidFill>
                         </a:rPr>
-                        <a:t>0.969</a:t>
+                        <a:t>0.963</a:t>
                       </a:r>
-                      <a:endParaRPr lang="he-IL" sz="1000">
+                      <a:endParaRPr lang="he-IL" sz="1000" dirty="0">
                         <a:solidFill>
                           <a:schemeClr val="tx1">
                             <a:lumMod val="75000"/>
@@ -17416,7 +17416,7 @@
                     <a:p>
                       <a:pPr rtl="1"/>
                       <a:r>
-                        <a:rPr lang="en-US" sz="1000" u="none">
+                        <a:rPr lang="en-US" sz="1000" u="none" dirty="0">
                           <a:solidFill>
                             <a:schemeClr val="tx1">
                               <a:lumMod val="75000"/>
@@ -18340,7 +18340,7 @@
       </p:sp>
       <p:graphicFrame>
         <p:nvGraphicFramePr>
-          <p:cNvPr id="3" name="תרשים 2">
+          <p:cNvPr id="4" name="תרשים 3">
             <a:extLst>
               <a:ext uri="{FF2B5EF4-FFF2-40B4-BE49-F238E27FC236}">
                 <a16:creationId xmlns:a16="http://schemas.microsoft.com/office/drawing/2014/main" id="{395C7F48-F4AF-F2CC-B9DF-60D8E736DFAE}"/>
@@ -18353,14 +18353,14 @@
           <p:nvPr>
             <p:extLst>
               <p:ext uri="{D42A27DB-BD31-4B8C-83A1-F6EECF244321}">
-                <p14:modId xmlns:p14="http://schemas.microsoft.com/office/powerpoint/2010/main" val="577500242"/>
+                <p14:modId xmlns:p14="http://schemas.microsoft.com/office/powerpoint/2010/main" val="4186676180"/>
               </p:ext>
             </p:extLst>
           </p:nvPr>
         </p:nvGraphicFramePr>
         <p:xfrm>
-          <a:off x="348343" y="753642"/>
-          <a:ext cx="7006943" cy="4384416"/>
+          <a:off x="340845" y="903053"/>
+          <a:ext cx="7054383" cy="4063393"/>
         </p:xfrm>
         <a:graphic>
           <a:graphicData uri="http://schemas.openxmlformats.org/drawingml/2006/chart">
@@ -19248,7 +19248,7 @@
           <p:nvPr>
             <p:extLst>
               <p:ext uri="{D42A27DB-BD31-4B8C-83A1-F6EECF244321}">
-                <p14:modId xmlns:p14="http://schemas.microsoft.com/office/powerpoint/2010/main" val="2316408484"/>
+                <p14:modId xmlns:p14="http://schemas.microsoft.com/office/powerpoint/2010/main" val="830633777"/>
               </p:ext>
             </p:extLst>
           </p:nvPr>
@@ -20822,68 +20822,14 @@
                     <a:p>
                       <a:pPr rtl="1"/>
                       <a:r>
-                        <a:rPr lang="en-US" sz="1100" cap="none" spc="0">
+                        <a:rPr lang="en-US" sz="1100" cap="none" spc="0" dirty="0">
                           <a:solidFill>
                             <a:schemeClr val="tx1"/>
                           </a:solidFill>
                         </a:rPr>
-                        <a:t>0.507</a:t>
+                        <a:t>0.571</a:t>
                       </a:r>
-                      <a:endParaRPr lang="he-IL" sz="1100" cap="none" spc="0">
-                        <a:solidFill>
-                          <a:schemeClr val="tx1"/>
-                        </a:solidFill>
-                      </a:endParaRPr>
-                    </a:p>
-                  </a:txBody>
-                  <a:tcPr marL="0" marR="59307" marT="17791" marB="59307">
-                    <a:lnL w="12700" cmpd="sng">
-                      <a:noFill/>
-                      <a:prstDash val="solid"/>
-                    </a:lnL>
-                    <a:lnR w="12700" cmpd="sng">
-                      <a:noFill/>
-                      <a:prstDash val="solid"/>
-                    </a:lnR>
-                    <a:lnT w="12700" cmpd="sng">
-                      <a:noFill/>
-                      <a:prstDash val="solid"/>
-                    </a:lnT>
-                    <a:lnB w="9525" cap="flat" cmpd="sng" algn="ctr">
-                      <a:solidFill>
-                        <a:schemeClr val="tx1"/>
-                      </a:solidFill>
-                      <a:prstDash val="solid"/>
-                    </a:lnB>
-                    <a:noFill/>
-                  </a:tcPr>
-                </a:tc>
-                <a:tc>
-                  <a:txBody>
-                    <a:bodyPr/>
-                    <a:lstStyle/>
-                    <a:p>
-                      <a:pPr rtl="1"/>
-                      <a:r>
-                        <a:rPr lang="en-US" sz="1100" cap="none" spc="0">
-                          <a:solidFill>
-                            <a:schemeClr val="tx1"/>
-                          </a:solidFill>
-                        </a:rPr>
-                        <a:t>0.33/</a:t>
-                      </a:r>
-                    </a:p>
-                    <a:p>
-                      <a:pPr rtl="1"/>
-                      <a:r>
-                        <a:rPr lang="en-US" sz="1100" cap="none" spc="0">
-                          <a:solidFill>
-                            <a:schemeClr val="tx1"/>
-                          </a:solidFill>
-                        </a:rPr>
-                        <a:t>0.7</a:t>
-                      </a:r>
-                      <a:endParaRPr lang="he-IL" sz="1100" cap="none" spc="0">
+                      <a:endParaRPr lang="he-IL" sz="1100" cap="none" spc="0" dirty="0">
                         <a:solidFill>
                           <a:schemeClr val="tx1"/>
                         </a:solidFill>
@@ -20924,7 +20870,7 @@
                             <a:schemeClr val="tx1"/>
                           </a:solidFill>
                         </a:rPr>
-                        <a:t>0.33/</a:t>
+                        <a:t>0.28/</a:t>
                       </a:r>
                     </a:p>
                     <a:p>
@@ -20935,7 +20881,7 @@
                             <a:schemeClr val="tx1"/>
                           </a:solidFill>
                         </a:rPr>
-                        <a:t>0.69</a:t>
+                        <a:t>0.84</a:t>
                       </a:r>
                       <a:endParaRPr lang="he-IL" sz="1100" cap="none" spc="0" dirty="0">
                         <a:solidFill>
@@ -20973,25 +20919,25 @@
                     <a:p>
                       <a:pPr rtl="1"/>
                       <a:r>
-                        <a:rPr lang="en-US" sz="1100" cap="none" spc="0">
+                        <a:rPr lang="en-US" sz="1100" cap="none" spc="0" dirty="0">
                           <a:solidFill>
                             <a:schemeClr val="tx1"/>
                           </a:solidFill>
                         </a:rPr>
-                        <a:t>0.55/</a:t>
+                        <a:t>0.31/</a:t>
                       </a:r>
                     </a:p>
                     <a:p>
                       <a:pPr rtl="1"/>
                       <a:r>
-                        <a:rPr lang="en-US" sz="1100" cap="none" spc="0">
+                        <a:rPr lang="en-US" sz="1100" cap="none" spc="0" dirty="0">
                           <a:solidFill>
                             <a:schemeClr val="tx1"/>
                           </a:solidFill>
                         </a:rPr>
-                        <a:t>0.77</a:t>
+                        <a:t>0.84</a:t>
                       </a:r>
-                      <a:endParaRPr lang="he-IL" sz="1100" cap="none" spc="0">
+                      <a:endParaRPr lang="he-IL" sz="1100" cap="none" spc="0" dirty="0">
                         <a:solidFill>
                           <a:schemeClr val="tx1"/>
                         </a:solidFill>
@@ -21027,25 +20973,79 @@
                     <a:p>
                       <a:pPr rtl="1"/>
                       <a:r>
-                        <a:rPr lang="en-US" sz="1100" cap="none" spc="0">
+                        <a:rPr lang="en-US" sz="1100" cap="none" spc="0" dirty="0">
                           <a:solidFill>
                             <a:schemeClr val="tx1"/>
                           </a:solidFill>
                         </a:rPr>
-                        <a:t>0.329/</a:t>
+                        <a:t>0.5/</a:t>
                       </a:r>
                     </a:p>
                     <a:p>
                       <a:pPr rtl="1"/>
                       <a:r>
-                        <a:rPr lang="en-US" sz="1100" cap="none" spc="0">
+                        <a:rPr lang="en-US" sz="1100" cap="none" spc="0" dirty="0">
                           <a:solidFill>
                             <a:schemeClr val="tx1"/>
                           </a:solidFill>
                         </a:rPr>
-                        <a:t>0.685</a:t>
+                        <a:t>0.88</a:t>
                       </a:r>
-                      <a:endParaRPr lang="he-IL" sz="1100" cap="none" spc="0">
+                      <a:endParaRPr lang="he-IL" sz="1100" cap="none" spc="0" dirty="0">
+                        <a:solidFill>
+                          <a:schemeClr val="tx1"/>
+                        </a:solidFill>
+                      </a:endParaRPr>
+                    </a:p>
+                  </a:txBody>
+                  <a:tcPr marL="0" marR="59307" marT="17791" marB="59307">
+                    <a:lnL w="12700" cmpd="sng">
+                      <a:noFill/>
+                      <a:prstDash val="solid"/>
+                    </a:lnL>
+                    <a:lnR w="12700" cmpd="sng">
+                      <a:noFill/>
+                      <a:prstDash val="solid"/>
+                    </a:lnR>
+                    <a:lnT w="12700" cmpd="sng">
+                      <a:noFill/>
+                      <a:prstDash val="solid"/>
+                    </a:lnT>
+                    <a:lnB w="9525" cap="flat" cmpd="sng" algn="ctr">
+                      <a:solidFill>
+                        <a:schemeClr val="tx1"/>
+                      </a:solidFill>
+                      <a:prstDash val="solid"/>
+                    </a:lnB>
+                    <a:noFill/>
+                  </a:tcPr>
+                </a:tc>
+                <a:tc>
+                  <a:txBody>
+                    <a:bodyPr/>
+                    <a:lstStyle/>
+                    <a:p>
+                      <a:pPr rtl="1"/>
+                      <a:r>
+                        <a:rPr lang="en-US" sz="1100" cap="none" spc="0" dirty="0">
+                          <a:solidFill>
+                            <a:schemeClr val="tx1"/>
+                          </a:solidFill>
+                        </a:rPr>
+                        <a:t>0.307/</a:t>
+                      </a:r>
+                    </a:p>
+                    <a:p>
+                      <a:pPr rtl="1"/>
+                      <a:r>
+                        <a:rPr lang="en-US" sz="1100" cap="none" spc="0" dirty="0">
+                          <a:solidFill>
+                            <a:schemeClr val="tx1"/>
+                          </a:solidFill>
+                        </a:rPr>
+                        <a:t>0.835</a:t>
+                      </a:r>
+                      <a:endParaRPr lang="he-IL" sz="1100" cap="none" spc="0" dirty="0">
                         <a:solidFill>
                           <a:schemeClr val="tx1"/>
                         </a:solidFill>
@@ -22644,7 +22644,7 @@
       </p:graphicFrame>
       <p:graphicFrame>
         <p:nvGraphicFramePr>
-          <p:cNvPr id="4" name="תרשים 3">
+          <p:cNvPr id="5" name="תרשים 4">
             <a:extLst>
               <a:ext uri="{FF2B5EF4-FFF2-40B4-BE49-F238E27FC236}">
                 <a16:creationId xmlns:a16="http://schemas.microsoft.com/office/drawing/2014/main" id="{3D05C2AC-B08A-58AF-A1CD-7F6C14FA496D}"/>
@@ -22657,14 +22657,14 @@
           <p:nvPr>
             <p:extLst>
               <p:ext uri="{D42A27DB-BD31-4B8C-83A1-F6EECF244321}">
-                <p14:modId xmlns:p14="http://schemas.microsoft.com/office/powerpoint/2010/main" val="2108772507"/>
+                <p14:modId xmlns:p14="http://schemas.microsoft.com/office/powerpoint/2010/main" val="3329506157"/>
               </p:ext>
             </p:extLst>
           </p:nvPr>
         </p:nvGraphicFramePr>
         <p:xfrm>
-          <a:off x="463024" y="711241"/>
-          <a:ext cx="6876313" cy="3953622"/>
+          <a:off x="286005" y="700374"/>
+          <a:ext cx="6946046" cy="4059886"/>
         </p:xfrm>
         <a:graphic>
           <a:graphicData uri="http://schemas.openxmlformats.org/drawingml/2006/chart">
@@ -22736,7 +22736,7 @@
         <p:spPr/>
         <p:txBody>
           <a:bodyPr>
-            <a:normAutofit fontScale="85000" lnSpcReduction="10000"/>
+            <a:normAutofit fontScale="92500" lnSpcReduction="10000"/>
           </a:bodyPr>
           <a:lstStyle/>
           <a:p>
@@ -22746,28 +22746,13 @@
             </a:r>
             <a:r>
               <a:rPr lang="en-US" dirty="0"/>
-              <a:t> The Elastic (CBR) model outperformed all other few-shot models we implemented. The Hallucinator model came closest to the CBR results and even surpassed it in terms of precision for the second class when using the full dataset.</a:t>
+              <a:t> The Elastic (CBR) model consistently outperformed all other few-shot models we implemented. The Hallucinator model achieved results closest to the CBR and even exceeded it in precision for the second class when using the full dataset. Notably, for one-sample data, the CBR outperformed RF.</a:t>
             </a:r>
-            <a:br>
-              <a:rPr lang="en-US" dirty="0"/>
-            </a:br>
-            <a:r>
-              <a:rPr lang="en-US" dirty="0"/>
-              <a:t>For one-sample data, the CBR even out performed RF!</a:t>
-            </a:r>
-            <a:br>
-              <a:rPr lang="en-US" dirty="0"/>
-            </a:br>
-            <a:endParaRPr lang="en-US" dirty="0"/>
           </a:p>
           <a:p>
             <a:r>
-              <a:rPr lang="en-US" b="1" dirty="0"/>
-              <a:t>Challenges:</a:t>
-            </a:r>
-            <a:r>
               <a:rPr lang="en-US" dirty="0"/>
-              <a:t> One notable issue with the Elastic model was its handling of single-sample cases, where there were insufficient samples to produce a result. To address this, we classified such "no result" cases as out-of-distribution (OOD).</a:t>
+              <a:t>While the Hallucinator showed better accuracy than the CBR for second-class data in the one-sample case, the CBR maintained superior overall accuracy.</a:t>
             </a:r>
           </a:p>
           <a:p>
